--- a/Documentações Eliney/AC2 Eliney/Template para Pôster - Startup one.pptx
+++ b/Documentações Eliney/AC2 Eliney/Template para Pôster - Startup one.pptx
@@ -1548,82 +1548,6 @@
       </p:sp>
       <p:sp>
         <p:nvSpPr>
-          <p:cNvPr id="35" name="CaixaDeTexto 34">
-            <a:extLst>
-              <a:ext uri="{FF2B5EF4-FFF2-40B4-BE49-F238E27FC236}">
-                <a16:creationId xmlns:a16="http://schemas.microsoft.com/office/drawing/2014/main" id="{07FA9E5B-5D32-65F8-05A1-98DDEC4E7C9E}"/>
-              </a:ext>
-            </a:extLst>
-          </p:cNvPr>
-          <p:cNvSpPr txBox="1"/>
-          <p:nvPr/>
-        </p:nvSpPr>
-        <p:spPr>
-          <a:xfrm>
-            <a:off x="416593" y="24620541"/>
-            <a:ext cx="9904314" cy="1123712"/>
-          </a:xfrm>
-          <a:prstGeom prst="roundRect">
-            <a:avLst/>
-          </a:prstGeom>
-          <a:ln>
-            <a:solidFill>
-              <a:schemeClr val="bg1"/>
-            </a:solidFill>
-          </a:ln>
-        </p:spPr>
-        <p:style>
-          <a:lnRef idx="2">
-            <a:schemeClr val="accent1"/>
-          </a:lnRef>
-          <a:fillRef idx="1">
-            <a:schemeClr val="lt1"/>
-          </a:fillRef>
-          <a:effectRef idx="0">
-            <a:schemeClr val="accent1"/>
-          </a:effectRef>
-          <a:fontRef idx="minor">
-            <a:schemeClr val="dk1"/>
-          </a:fontRef>
-        </p:style>
-        <p:txBody>
-          <a:bodyPr wrap="square" lIns="91440" tIns="45720" rIns="91440" bIns="45720" rtlCol="0" anchor="t">
-            <a:spAutoFit/>
-          </a:bodyPr>
-          <a:lstStyle>
-            <a:defPPr>
-              <a:defRPr lang="pt-BR"/>
-            </a:defPPr>
-            <a:lvl1pPr algn="just">
-              <a:defRPr sz="3200">
-                <a:solidFill>
-                  <a:schemeClr val="tx1"/>
-                </a:solidFill>
-                <a:latin typeface="Arial" panose="020B0604020202020204" pitchFamily="34" charset="0"/>
-                <a:cs typeface="Arial" panose="020B0604020202020204" pitchFamily="34" charset="0"/>
-              </a:defRPr>
-            </a:lvl1pPr>
-          </a:lstStyle>
-          <a:p>
-            <a:r>
-              <a:rPr lang="pt-BR" sz="2800" dirty="0">
-                <a:latin typeface="Arial"/>
-                <a:cs typeface="Arial"/>
-              </a:rPr>
-              <a:t>Apresentar aqui o orçamento do projeto (preferencialmente usando uma tabela)</a:t>
-            </a:r>
-            <a:r>
-              <a:rPr lang="pt-BR" dirty="0">
-                <a:latin typeface="Arial"/>
-                <a:cs typeface="Arial"/>
-              </a:rPr>
-              <a:t>.</a:t>
-            </a:r>
-          </a:p>
-        </p:txBody>
-      </p:sp>
-      <p:sp>
-        <p:nvSpPr>
           <p:cNvPr id="36" name="CaixaDeTexto 35">
             <a:extLst>
               <a:ext uri="{FF2B5EF4-FFF2-40B4-BE49-F238E27FC236}">
@@ -1950,67 +1874,6 @@
       </p:sp>
       <p:sp>
         <p:nvSpPr>
-          <p:cNvPr id="42" name="CaixaDeTexto 41">
-            <a:extLst>
-              <a:ext uri="{FF2B5EF4-FFF2-40B4-BE49-F238E27FC236}">
-                <a16:creationId xmlns:a16="http://schemas.microsoft.com/office/drawing/2014/main" id="{CBC69F1E-462F-50F1-CAE9-AF462B2B6888}"/>
-              </a:ext>
-            </a:extLst>
-          </p:cNvPr>
-          <p:cNvSpPr txBox="1"/>
-          <p:nvPr/>
-        </p:nvSpPr>
-        <p:spPr>
-          <a:xfrm>
-            <a:off x="2452840" y="26498608"/>
-            <a:ext cx="5733146" cy="1384995"/>
-          </a:xfrm>
-          <a:prstGeom prst="rect">
-            <a:avLst/>
-          </a:prstGeom>
-          <a:noFill/>
-          <a:ln>
-            <a:noFill/>
-          </a:ln>
-        </p:spPr>
-        <p:style>
-          <a:lnRef idx="2">
-            <a:schemeClr val="accent1">
-              <a:shade val="50000"/>
-            </a:schemeClr>
-          </a:lnRef>
-          <a:fillRef idx="1">
-            <a:schemeClr val="accent1"/>
-          </a:fillRef>
-          <a:effectRef idx="0">
-            <a:schemeClr val="accent1"/>
-          </a:effectRef>
-          <a:fontRef idx="minor">
-            <a:schemeClr val="lt1"/>
-          </a:fontRef>
-        </p:style>
-        <p:txBody>
-          <a:bodyPr wrap="square" lIns="91440" tIns="45720" rIns="91440" bIns="45720" rtlCol="0" anchor="t">
-            <a:spAutoFit/>
-          </a:bodyPr>
-          <a:lstStyle/>
-          <a:p>
-            <a:pPr algn="just"/>
-            <a:r>
-              <a:rPr lang="pt-BR" sz="2800">
-                <a:solidFill>
-                  <a:schemeClr val="tx1"/>
-                </a:solidFill>
-                <a:latin typeface="Arial"/>
-                <a:cs typeface="Arial"/>
-              </a:rPr>
-              <a:t>Colocar aqui uma tabela que o grupo julgar necessária para apresentar o orçamento.</a:t>
-            </a:r>
-          </a:p>
-        </p:txBody>
-      </p:sp>
-      <p:sp>
-        <p:nvSpPr>
           <p:cNvPr id="43" name="CaixaDeTexto 42">
             <a:extLst>
               <a:ext uri="{FF2B5EF4-FFF2-40B4-BE49-F238E27FC236}">
@@ -2241,7 +2104,7 @@
           </a:lstStyle>
           <a:p>
             <a:r>
-              <a:rPr lang="pt-BR"/>
+              <a:rPr lang="pt-BR" dirty="0"/>
               <a:t>AGRADECIMENTOS</a:t>
             </a:r>
           </a:p>
@@ -2262,7 +2125,7 @@
         <p:spPr>
           <a:xfrm>
             <a:off x="11201876" y="25938802"/>
-            <a:ext cx="9733444" cy="817245"/>
+            <a:ext cx="9733444" cy="1174790"/>
           </a:xfrm>
           <a:prstGeom prst="roundRect">
             <a:avLst/>
@@ -2302,7 +2165,7 @@
                 <a:latin typeface="Arial" panose="020B0604020202020204" pitchFamily="34" charset="0"/>
                 <a:cs typeface="Arial" panose="020B0604020202020204" pitchFamily="34" charset="0"/>
               </a:rPr>
-              <a:t>Gostaríamos de agradecer aos nossos professores, parceiros e ao nosso mentor pelo suporte essencial ao sucesso do projeto.</a:t>
+              <a:t>Gostaríamos de agradecer a Deus, às nossas famílias, aos nossos mentores, aos nossos professores e parceiros pelo suporte essencial ao sucesso do projeto.</a:t>
             </a:r>
           </a:p>
         </p:txBody>
@@ -2468,8 +2331,8 @@
         </p:nvSpPr>
         <p:spPr>
           <a:xfrm>
-            <a:off x="2965551" y="25924549"/>
-            <a:ext cx="4392488" cy="461665"/>
+            <a:off x="963982" y="28297169"/>
+            <a:ext cx="9075611" cy="461665"/>
           </a:xfrm>
           <a:prstGeom prst="rect">
             <a:avLst/>
@@ -2495,7 +2358,21 @@
                 <a:latin typeface="Arial" panose="020B0604020202020204" pitchFamily="34" charset="0"/>
                 <a:cs typeface="Arial" panose="020B0604020202020204" pitchFamily="34" charset="0"/>
               </a:rPr>
-              <a:t>. Colocar a legenda.</a:t>
+              <a:t>. Orçamento do projeto </a:t>
+            </a:r>
+            <a:r>
+              <a:rPr lang="pt-BR" sz="2400" dirty="0" err="1">
+                <a:latin typeface="Arial" panose="020B0604020202020204" pitchFamily="34" charset="0"/>
+                <a:cs typeface="Arial" panose="020B0604020202020204" pitchFamily="34" charset="0"/>
+              </a:rPr>
+              <a:t>ConnectEvent</a:t>
+            </a:r>
+            <a:r>
+              <a:rPr lang="pt-BR" sz="2400" dirty="0">
+                <a:latin typeface="Arial" panose="020B0604020202020204" pitchFamily="34" charset="0"/>
+                <a:cs typeface="Arial" panose="020B0604020202020204" pitchFamily="34" charset="0"/>
+              </a:rPr>
+              <a:t>.</a:t>
             </a:r>
           </a:p>
         </p:txBody>
@@ -2820,8 +2697,38 @@
         </p:blipFill>
         <p:spPr>
           <a:xfrm>
-            <a:off x="18547565" y="26735248"/>
+            <a:off x="15140017" y="26912951"/>
             <a:ext cx="1615050" cy="1615050"/>
+          </a:xfrm>
+          <a:prstGeom prst="rect">
+            <a:avLst/>
+          </a:prstGeom>
+        </p:spPr>
+      </p:pic>
+      <p:pic>
+        <p:nvPicPr>
+          <p:cNvPr id="13" name="Imagem 12">
+            <a:extLst>
+              <a:ext uri="{FF2B5EF4-FFF2-40B4-BE49-F238E27FC236}">
+                <a16:creationId xmlns:a16="http://schemas.microsoft.com/office/drawing/2014/main" id="{25CD0BBA-5EE7-B5E1-865C-3AEAAD8B09E5}"/>
+              </a:ext>
+            </a:extLst>
+          </p:cNvPr>
+          <p:cNvPicPr>
+            <a:picLocks noChangeAspect="1"/>
+          </p:cNvPicPr>
+          <p:nvPr/>
+        </p:nvPicPr>
+        <p:blipFill>
+          <a:blip r:embed="rId6"/>
+          <a:stretch>
+            <a:fillRect/>
+          </a:stretch>
+        </p:blipFill>
+        <p:spPr>
+          <a:xfrm>
+            <a:off x="1029134" y="24781350"/>
+            <a:ext cx="9075611" cy="3391243"/>
           </a:xfrm>
           <a:prstGeom prst="rect">
             <a:avLst/>
@@ -3112,14 +3019,6 @@
 </file>
 
 <file path=customXml/item2.xml><?xml version="1.0" encoding="utf-8"?>
-<p:properties xmlns:p="http://schemas.microsoft.com/office/2006/metadata/properties" xmlns:xsi="http://www.w3.org/2001/XMLSchema-instance" xmlns:pc="http://schemas.microsoft.com/office/infopath/2007/PartnerControls">
-  <documentManagement>
-    <_activity xmlns="ff6ad67d-1b1d-4c73-9dd4-98a4fbcad5a6" xsi:nil="true"/>
-  </documentManagement>
-</p:properties>
-</file>
-
-<file path=customXml/item3.xml><?xml version="1.0" encoding="utf-8"?>
 <ct:contentTypeSchema xmlns:ct="http://schemas.microsoft.com/office/2006/metadata/contentType" xmlns:ma="http://schemas.microsoft.com/office/2006/metadata/properties/metaAttributes" ct:_="" ma:_="" ma:contentTypeName="Documento" ma:contentTypeID="0x0101009A894B47E77362449B3110FE52FC1761" ma:contentTypeVersion="16" ma:contentTypeDescription="Crie um novo documento." ma:contentTypeScope="" ma:versionID="a174adf514af0ec3b9bd0eb9e1c0e71e">
   <xsd:schema xmlns:xsd="http://www.w3.org/2001/XMLSchema" xmlns:xs="http://www.w3.org/2001/XMLSchema" xmlns:p="http://schemas.microsoft.com/office/2006/metadata/properties" xmlns:ns3="a3014d1d-f2cc-4095-a524-fddffbc006f1" xmlns:ns4="ff6ad67d-1b1d-4c73-9dd4-98a4fbcad5a6" targetNamespace="http://schemas.microsoft.com/office/2006/metadata/properties" ma:root="true" ma:fieldsID="6ce6fbd86bcd44befd99bda8c56c7cb1" ns3:_="" ns4:_="">
     <xsd:import namespace="a3014d1d-f2cc-4095-a524-fddffbc006f1"/>
@@ -3360,6 +3259,14 @@
 </ct:contentTypeSchema>
 </file>
 
+<file path=customXml/item3.xml><?xml version="1.0" encoding="utf-8"?>
+<p:properties xmlns:p="http://schemas.microsoft.com/office/2006/metadata/properties" xmlns:xsi="http://www.w3.org/2001/XMLSchema-instance" xmlns:pc="http://schemas.microsoft.com/office/infopath/2007/PartnerControls">
+  <documentManagement>
+    <_activity xmlns="ff6ad67d-1b1d-4c73-9dd4-98a4fbcad5a6" xsi:nil="true"/>
+  </documentManagement>
+</p:properties>
+</file>
+
 <file path=customXml/itemProps1.xml><?xml version="1.0" encoding="utf-8"?>
 <ds:datastoreItem xmlns:ds="http://schemas.openxmlformats.org/officeDocument/2006/customXml" ds:itemID="{5BC455D9-37CD-46E7-8021-8644E5D67886}">
   <ds:schemaRefs>
@@ -3369,23 +3276,6 @@
 </file>
 
 <file path=customXml/itemProps2.xml><?xml version="1.0" encoding="utf-8"?>
-<ds:datastoreItem xmlns:ds="http://schemas.openxmlformats.org/officeDocument/2006/customXml" ds:itemID="{0F738E70-B1B1-4A3C-BB3D-3799789DDC9A}">
-  <ds:schemaRefs>
-    <ds:schemaRef ds:uri="a3014d1d-f2cc-4095-a524-fddffbc006f1"/>
-    <ds:schemaRef ds:uri="ff6ad67d-1b1d-4c73-9dd4-98a4fbcad5a6"/>
-    <ds:schemaRef ds:uri="http://purl.org/dc/dcmitype/"/>
-    <ds:schemaRef ds:uri="http://purl.org/dc/elements/1.1/"/>
-    <ds:schemaRef ds:uri="http://purl.org/dc/terms/"/>
-    <ds:schemaRef ds:uri="http://schemas.microsoft.com/office/2006/documentManagement/types"/>
-    <ds:schemaRef ds:uri="http://schemas.microsoft.com/office/2006/metadata/properties"/>
-    <ds:schemaRef ds:uri="http://schemas.microsoft.com/office/infopath/2007/PartnerControls"/>
-    <ds:schemaRef ds:uri="http://schemas.openxmlformats.org/package/2006/metadata/core-properties"/>
-    <ds:schemaRef ds:uri="http://www.w3.org/XML/1998/namespace"/>
-  </ds:schemaRefs>
-</ds:datastoreItem>
-</file>
-
-<file path=customXml/itemProps3.xml><?xml version="1.0" encoding="utf-8"?>
 <ds:datastoreItem xmlns:ds="http://schemas.openxmlformats.org/officeDocument/2006/customXml" ds:itemID="{BDF6B089-4EFF-41B7-9EC4-20E73BF0D62B}">
   <ds:schemaRefs>
     <ds:schemaRef ds:uri="a3014d1d-f2cc-4095-a524-fddffbc006f1"/>
@@ -3402,4 +3292,21 @@
     <ds:schemaRef ds:uri="http://www.w3.org/2001/XMLSchema"/>
   </ds:schemaRefs>
 </ds:datastoreItem>
+</file>
+
+<file path=customXml/itemProps3.xml><?xml version="1.0" encoding="utf-8"?>
+<ds:datastoreItem xmlns:ds="http://schemas.openxmlformats.org/officeDocument/2006/customXml" ds:itemID="{0F738E70-B1B1-4A3C-BB3D-3799789DDC9A}">
+  <ds:schemaRefs>
+    <ds:schemaRef ds:uri="a3014d1d-f2cc-4095-a524-fddffbc006f1"/>
+    <ds:schemaRef ds:uri="ff6ad67d-1b1d-4c73-9dd4-98a4fbcad5a6"/>
+    <ds:schemaRef ds:uri="http://purl.org/dc/dcmitype/"/>
+    <ds:schemaRef ds:uri="http://purl.org/dc/elements/1.1/"/>
+    <ds:schemaRef ds:uri="http://purl.org/dc/terms/"/>
+    <ds:schemaRef ds:uri="http://schemas.microsoft.com/office/2006/documentManagement/types"/>
+    <ds:schemaRef ds:uri="http://schemas.microsoft.com/office/2006/metadata/properties"/>
+    <ds:schemaRef ds:uri="http://schemas.microsoft.com/office/infopath/2007/PartnerControls"/>
+    <ds:schemaRef ds:uri="http://schemas.openxmlformats.org/package/2006/metadata/core-properties"/>
+    <ds:schemaRef ds:uri="http://www.w3.org/XML/1998/namespace"/>
+  </ds:schemaRefs>
+</ds:datastoreItem>
 </file>
--- a/Documentações Eliney/AC2 Eliney/Template para Pôster - Startup one.pptx
+++ b/Documentações Eliney/AC2 Eliney/Template para Pôster - Startup one.pptx
@@ -2331,8 +2331,8 @@
         </p:nvSpPr>
         <p:spPr>
           <a:xfrm>
-            <a:off x="963982" y="28297169"/>
-            <a:ext cx="9075611" cy="461665"/>
+            <a:off x="268737" y="27880023"/>
+            <a:ext cx="10149587" cy="461665"/>
           </a:xfrm>
           <a:prstGeom prst="rect">
             <a:avLst/>
@@ -2707,10 +2707,10 @@
       </p:pic>
       <p:pic>
         <p:nvPicPr>
-          <p:cNvPr id="13" name="Imagem 12">
-            <a:extLst>
-              <a:ext uri="{FF2B5EF4-FFF2-40B4-BE49-F238E27FC236}">
-                <a16:creationId xmlns:a16="http://schemas.microsoft.com/office/drawing/2014/main" id="{25CD0BBA-5EE7-B5E1-865C-3AEAAD8B09E5}"/>
+          <p:cNvPr id="11" name="Imagem 10">
+            <a:extLst>
+              <a:ext uri="{FF2B5EF4-FFF2-40B4-BE49-F238E27FC236}">
+                <a16:creationId xmlns:a16="http://schemas.microsoft.com/office/drawing/2014/main" id="{6916352C-8F9C-D5C7-BDA9-06EE54B0C771}"/>
               </a:ext>
             </a:extLst>
           </p:cNvPr>
@@ -2727,8 +2727,8 @@
         </p:blipFill>
         <p:spPr>
           <a:xfrm>
-            <a:off x="1029134" y="24781350"/>
-            <a:ext cx="9075611" cy="3391243"/>
+            <a:off x="291125" y="24766356"/>
+            <a:ext cx="10127199" cy="3098923"/>
           </a:xfrm>
           <a:prstGeom prst="rect">
             <a:avLst/>
@@ -3010,12 +3010,11 @@
 </file>
 
 <file path=customXml/item1.xml><?xml version="1.0" encoding="utf-8"?>
-<?mso-contentType ?>
-<FormTemplates xmlns="http://schemas.microsoft.com/sharepoint/v3/contenttype/forms">
-  <Display>DocumentLibraryForm</Display>
-  <Edit>DocumentLibraryForm</Edit>
-  <New>DocumentLibraryForm</New>
-</FormTemplates>
+<p:properties xmlns:p="http://schemas.microsoft.com/office/2006/metadata/properties" xmlns:xsi="http://www.w3.org/2001/XMLSchema-instance" xmlns:pc="http://schemas.microsoft.com/office/infopath/2007/PartnerControls">
+  <documentManagement>
+    <_activity xmlns="ff6ad67d-1b1d-4c73-9dd4-98a4fbcad5a6" xsi:nil="true"/>
+  </documentManagement>
+</p:properties>
 </file>
 
 <file path=customXml/item2.xml><?xml version="1.0" encoding="utf-8"?>
@@ -3260,17 +3259,27 @@
 </file>
 
 <file path=customXml/item3.xml><?xml version="1.0" encoding="utf-8"?>
-<p:properties xmlns:p="http://schemas.microsoft.com/office/2006/metadata/properties" xmlns:xsi="http://www.w3.org/2001/XMLSchema-instance" xmlns:pc="http://schemas.microsoft.com/office/infopath/2007/PartnerControls">
-  <documentManagement>
-    <_activity xmlns="ff6ad67d-1b1d-4c73-9dd4-98a4fbcad5a6" xsi:nil="true"/>
-  </documentManagement>
-</p:properties>
+<?mso-contentType ?>
+<FormTemplates xmlns="http://schemas.microsoft.com/sharepoint/v3/contenttype/forms">
+  <Display>DocumentLibraryForm</Display>
+  <Edit>DocumentLibraryForm</Edit>
+  <New>DocumentLibraryForm</New>
+</FormTemplates>
 </file>
 
 <file path=customXml/itemProps1.xml><?xml version="1.0" encoding="utf-8"?>
-<ds:datastoreItem xmlns:ds="http://schemas.openxmlformats.org/officeDocument/2006/customXml" ds:itemID="{5BC455D9-37CD-46E7-8021-8644E5D67886}">
+<ds:datastoreItem xmlns:ds="http://schemas.openxmlformats.org/officeDocument/2006/customXml" ds:itemID="{0F738E70-B1B1-4A3C-BB3D-3799789DDC9A}">
   <ds:schemaRefs>
-    <ds:schemaRef ds:uri="http://schemas.microsoft.com/sharepoint/v3/contenttype/forms"/>
+    <ds:schemaRef ds:uri="a3014d1d-f2cc-4095-a524-fddffbc006f1"/>
+    <ds:schemaRef ds:uri="ff6ad67d-1b1d-4c73-9dd4-98a4fbcad5a6"/>
+    <ds:schemaRef ds:uri="http://purl.org/dc/dcmitype/"/>
+    <ds:schemaRef ds:uri="http://purl.org/dc/elements/1.1/"/>
+    <ds:schemaRef ds:uri="http://purl.org/dc/terms/"/>
+    <ds:schemaRef ds:uri="http://schemas.microsoft.com/office/2006/documentManagement/types"/>
+    <ds:schemaRef ds:uri="http://schemas.microsoft.com/office/2006/metadata/properties"/>
+    <ds:schemaRef ds:uri="http://schemas.microsoft.com/office/infopath/2007/PartnerControls"/>
+    <ds:schemaRef ds:uri="http://schemas.openxmlformats.org/package/2006/metadata/core-properties"/>
+    <ds:schemaRef ds:uri="http://www.w3.org/XML/1998/namespace"/>
   </ds:schemaRefs>
 </ds:datastoreItem>
 </file>
@@ -3295,18 +3304,9 @@
 </file>
 
 <file path=customXml/itemProps3.xml><?xml version="1.0" encoding="utf-8"?>
-<ds:datastoreItem xmlns:ds="http://schemas.openxmlformats.org/officeDocument/2006/customXml" ds:itemID="{0F738E70-B1B1-4A3C-BB3D-3799789DDC9A}">
+<ds:datastoreItem xmlns:ds="http://schemas.openxmlformats.org/officeDocument/2006/customXml" ds:itemID="{5BC455D9-37CD-46E7-8021-8644E5D67886}">
   <ds:schemaRefs>
-    <ds:schemaRef ds:uri="a3014d1d-f2cc-4095-a524-fddffbc006f1"/>
-    <ds:schemaRef ds:uri="ff6ad67d-1b1d-4c73-9dd4-98a4fbcad5a6"/>
-    <ds:schemaRef ds:uri="http://purl.org/dc/dcmitype/"/>
-    <ds:schemaRef ds:uri="http://purl.org/dc/elements/1.1/"/>
-    <ds:schemaRef ds:uri="http://purl.org/dc/terms/"/>
-    <ds:schemaRef ds:uri="http://schemas.microsoft.com/office/2006/documentManagement/types"/>
-    <ds:schemaRef ds:uri="http://schemas.microsoft.com/office/2006/metadata/properties"/>
-    <ds:schemaRef ds:uri="http://schemas.microsoft.com/office/infopath/2007/PartnerControls"/>
-    <ds:schemaRef ds:uri="http://schemas.openxmlformats.org/package/2006/metadata/core-properties"/>
-    <ds:schemaRef ds:uri="http://www.w3.org/XML/1998/namespace"/>
+    <ds:schemaRef ds:uri="http://schemas.microsoft.com/sharepoint/v3/contenttype/forms"/>
   </ds:schemaRefs>
 </ds:datastoreItem>
 </file>